--- a/Apresentação - Raid Oracles.pptx
+++ b/Apresentação - Raid Oracles.pptx
@@ -291,18 +291,18 @@
   <pc:docChgLst>
     <pc:chgData name="Antonio" userId="d42371d61bd3278c" providerId="LiveId" clId="{3FAB8EC5-0E5E-4093-9283-60B549215A77}"/>
     <pc:docChg chg="undo custSel addSld modSld sldOrd">
-      <pc:chgData name="Antonio" userId="d42371d61bd3278c" providerId="LiveId" clId="{3FAB8EC5-0E5E-4093-9283-60B549215A77}" dt="2021-06-06T23:14:39.095" v="99" actId="20577"/>
+      <pc:chgData name="Antonio" userId="d42371d61bd3278c" providerId="LiveId" clId="{3FAB8EC5-0E5E-4093-9283-60B549215A77}" dt="2021-06-07T18:43:33.467" v="102" actId="13926"/>
       <pc:docMkLst>
         <pc:docMk/>
       </pc:docMkLst>
       <pc:sldChg chg="modSp mod">
-        <pc:chgData name="Antonio" userId="d42371d61bd3278c" providerId="LiveId" clId="{3FAB8EC5-0E5E-4093-9283-60B549215A77}" dt="2021-06-06T23:14:15.174" v="91" actId="1076"/>
+        <pc:chgData name="Antonio" userId="d42371d61bd3278c" providerId="LiveId" clId="{3FAB8EC5-0E5E-4093-9283-60B549215A77}" dt="2021-06-07T18:43:33.467" v="102" actId="13926"/>
         <pc:sldMkLst>
           <pc:docMk/>
           <pc:sldMk cId="0" sldId="256"/>
         </pc:sldMkLst>
         <pc:spChg chg="mod">
-          <ac:chgData name="Antonio" userId="d42371d61bd3278c" providerId="LiveId" clId="{3FAB8EC5-0E5E-4093-9283-60B549215A77}" dt="2021-06-06T23:14:11.102" v="90" actId="14100"/>
+          <ac:chgData name="Antonio" userId="d42371d61bd3278c" providerId="LiveId" clId="{3FAB8EC5-0E5E-4093-9283-60B549215A77}" dt="2021-06-07T18:43:33.467" v="102" actId="13926"/>
           <ac:spMkLst>
             <pc:docMk/>
             <pc:sldMk cId="0" sldId="256"/>
